--- a/slides/Introduction to pandas.pptx
+++ b/slides/Introduction to pandas.pptx
@@ -252,6 +252,51 @@
 </p:presentation>
 </file>
 
+<file path=ppt/revisionInfo.xml><?xml version="1.0" encoding="utf-8"?>
+<p1510:revInfo xmlns:a="http://schemas.openxmlformats.org/drawingml/2006/main" xmlns:r="http://schemas.openxmlformats.org/officeDocument/2006/relationships" xmlns:p1510="http://schemas.microsoft.com/office/powerpoint/2015/10/main">
+  <p1510:revLst>
+    <p1510:client id="{A11283AD-A1E9-174B-9AAF-B793BAB85431}" v="14" dt="2025-11-20T08:35:30.380"/>
+  </p1510:revLst>
+</p1510:revInfo>
+</file>
+
+<file path=ppt/changesInfos/changesInfo1.xml><?xml version="1.0" encoding="utf-8"?>
+<pc:chgInfo xmlns:a="http://schemas.openxmlformats.org/drawingml/2006/main" xmlns:r="http://schemas.openxmlformats.org/officeDocument/2006/relationships" xmlns:ac="http://schemas.microsoft.com/office/drawing/2013/main/command" xmlns:pc="http://schemas.microsoft.com/office/powerpoint/2013/main/command">
+  <pc:docChgLst>
+    <pc:chgData name="Robin Guillaume-Castel" userId="d00fb1e9-a1ad-4e14-9c90-8ac9508e8689" providerId="ADAL" clId="{9694768D-AE80-5C96-BE9F-2F4CFE4E5900}"/>
+    <pc:docChg chg="modMainMaster">
+      <pc:chgData name="Robin Guillaume-Castel" userId="d00fb1e9-a1ad-4e14-9c90-8ac9508e8689" providerId="ADAL" clId="{9694768D-AE80-5C96-BE9F-2F4CFE4E5900}" dt="2025-11-20T08:35:30.380" v="13"/>
+      <pc:docMkLst>
+        <pc:docMk/>
+      </pc:docMkLst>
+      <pc:sldMasterChg chg="addSp delSp modSp">
+        <pc:chgData name="Robin Guillaume-Castel" userId="d00fb1e9-a1ad-4e14-9c90-8ac9508e8689" providerId="ADAL" clId="{9694768D-AE80-5C96-BE9F-2F4CFE4E5900}" dt="2025-11-20T08:35:30.380" v="13"/>
+        <pc:sldMasterMkLst>
+          <pc:docMk/>
+          <pc:sldMasterMk cId="1765427073" sldId="2147483648"/>
+        </pc:sldMasterMkLst>
+        <pc:picChg chg="add del mod">
+          <ac:chgData name="Robin Guillaume-Castel" userId="d00fb1e9-a1ad-4e14-9c90-8ac9508e8689" providerId="ADAL" clId="{9694768D-AE80-5C96-BE9F-2F4CFE4E5900}" dt="2025-11-20T08:35:30.017" v="12" actId="478"/>
+          <ac:picMkLst>
+            <pc:docMk/>
+            <pc:sldMasterMk cId="1765427073" sldId="2147483648"/>
+            <ac:picMk id="10" creationId="{B7625A09-E229-5D23-E473-FE496F982204}"/>
+          </ac:picMkLst>
+        </pc:picChg>
+        <pc:picChg chg="add mod">
+          <ac:chgData name="Robin Guillaume-Castel" userId="d00fb1e9-a1ad-4e14-9c90-8ac9508e8689" providerId="ADAL" clId="{9694768D-AE80-5C96-BE9F-2F4CFE4E5900}" dt="2025-11-20T08:35:30.380" v="13"/>
+          <ac:picMkLst>
+            <pc:docMk/>
+            <pc:sldMasterMk cId="1765427073" sldId="2147483648"/>
+            <ac:picMk id="11" creationId="{ADACCBBA-8B45-E175-6D15-8E88285B5990}"/>
+          </ac:picMkLst>
+        </pc:picChg>
+      </pc:sldMasterChg>
+    </pc:docChg>
+  </pc:docChgLst>
+</pc:chgInfo>
+</file>
+
 <file path=ppt/notesMasters/notesMaster1.xml><?xml version="1.0" encoding="utf-8"?>
 <p:notesMaster xmlns:a="http://schemas.openxmlformats.org/drawingml/2006/main" xmlns:r="http://schemas.openxmlformats.org/officeDocument/2006/relationships" xmlns:p="http://schemas.openxmlformats.org/presentationml/2006/main">
   <p:cSld>
@@ -334,7 +379,7 @@
           <a:p>
             <a:fld id="{0EDC86C1-B24B-41D3-BB9D-3E904495D85B}" type="datetimeFigureOut">
               <a:rPr lang="en-US" smtClean="0"/>
-              <a:t>9/25/2024</a:t>
+              <a:t>11/20/25</a:t>
             </a:fld>
             <a:endParaRPr lang="en-US"/>
           </a:p>
@@ -493,7 +538,7 @@
           <a:p>
             <a:fld id="{C992BAA7-6BA6-41AC-8BA9-85AA7795B40B}" type="slidenum">
               <a:rPr lang="en-US" smtClean="0"/>
-              <a:t>‹N°›</a:t>
+              <a:t>‹#›</a:t>
             </a:fld>
             <a:endParaRPr lang="en-US"/>
           </a:p>
@@ -815,7 +860,7 @@
           <a:p>
             <a:fld id="{7DE9978D-9615-424F-9A3D-E3659B09CE50}" type="slidenum">
               <a:rPr lang="en-US" smtClean="0"/>
-              <a:t>‹N°›</a:t>
+              <a:t>‹#›</a:t>
             </a:fld>
             <a:endParaRPr lang="en-US"/>
           </a:p>
@@ -1071,7 +1116,7 @@
           <a:p>
             <a:fld id="{7DE9978D-9615-424F-9A3D-E3659B09CE50}" type="slidenum">
               <a:rPr lang="en-US" smtClean="0"/>
-              <a:t>‹N°›</a:t>
+              <a:t>‹#›</a:t>
             </a:fld>
             <a:endParaRPr lang="en-US"/>
           </a:p>
@@ -1283,7 +1328,7 @@
           <a:p>
             <a:fld id="{7DE9978D-9615-424F-9A3D-E3659B09CE50}" type="slidenum">
               <a:rPr lang="en-US" smtClean="0"/>
-              <a:t>‹N°›</a:t>
+              <a:t>‹#›</a:t>
             </a:fld>
             <a:endParaRPr lang="en-US"/>
           </a:p>
@@ -1505,7 +1550,7 @@
           <a:p>
             <a:fld id="{7DE9978D-9615-424F-9A3D-E3659B09CE50}" type="slidenum">
               <a:rPr lang="en-US" smtClean="0"/>
-              <a:t>‹N°›</a:t>
+              <a:t>‹#›</a:t>
             </a:fld>
             <a:endParaRPr lang="en-US"/>
           </a:p>
@@ -1787,7 +1832,7 @@
           <a:p>
             <a:fld id="{7DE9978D-9615-424F-9A3D-E3659B09CE50}" type="slidenum">
               <a:rPr lang="en-US" smtClean="0"/>
-              <a:t>‹N°›</a:t>
+              <a:t>‹#›</a:t>
             </a:fld>
             <a:endParaRPr lang="en-US"/>
           </a:p>
@@ -2057,7 +2102,7 @@
           <a:p>
             <a:fld id="{7DE9978D-9615-424F-9A3D-E3659B09CE50}" type="slidenum">
               <a:rPr lang="en-US" smtClean="0"/>
-              <a:t>‹N°›</a:t>
+              <a:t>‹#›</a:t>
             </a:fld>
             <a:endParaRPr lang="en-US"/>
           </a:p>
@@ -2474,7 +2519,7 @@
           <a:p>
             <a:fld id="{7DE9978D-9615-424F-9A3D-E3659B09CE50}" type="slidenum">
               <a:rPr lang="en-US" smtClean="0"/>
-              <a:t>‹N°›</a:t>
+              <a:t>‹#›</a:t>
             </a:fld>
             <a:endParaRPr lang="en-US"/>
           </a:p>
@@ -2618,7 +2663,7 @@
           <a:p>
             <a:fld id="{7DE9978D-9615-424F-9A3D-E3659B09CE50}" type="slidenum">
               <a:rPr lang="en-US" smtClean="0"/>
-              <a:t>‹N°›</a:t>
+              <a:t>‹#›</a:t>
             </a:fld>
             <a:endParaRPr lang="en-US"/>
           </a:p>
@@ -2733,7 +2778,7 @@
           <a:p>
             <a:fld id="{7DE9978D-9615-424F-9A3D-E3659B09CE50}" type="slidenum">
               <a:rPr lang="en-US" smtClean="0"/>
-              <a:t>‹N°›</a:t>
+              <a:t>‹#›</a:t>
             </a:fld>
             <a:endParaRPr lang="en-US"/>
           </a:p>
@@ -3048,7 +3093,7 @@
           <a:p>
             <a:fld id="{7DE9978D-9615-424F-9A3D-E3659B09CE50}" type="slidenum">
               <a:rPr lang="en-US" smtClean="0"/>
-              <a:t>‹N°›</a:t>
+              <a:t>‹#›</a:t>
             </a:fld>
             <a:endParaRPr lang="en-US"/>
           </a:p>
@@ -3339,7 +3384,7 @@
           <a:p>
             <a:fld id="{7DE9978D-9615-424F-9A3D-E3659B09CE50}" type="slidenum">
               <a:rPr lang="en-US" smtClean="0"/>
-              <a:t>‹N°›</a:t>
+              <a:t>‹#›</a:t>
             </a:fld>
             <a:endParaRPr lang="en-US"/>
           </a:p>
@@ -3784,12 +3829,59 @@
           <a:p>
             <a:fld id="{7DE9978D-9615-424F-9A3D-E3659B09CE50}" type="slidenum">
               <a:rPr lang="en-US" smtClean="0"/>
-              <a:t>‹N°›</a:t>
+              <a:t>‹#›</a:t>
             </a:fld>
             <a:endParaRPr lang="en-US"/>
           </a:p>
         </p:txBody>
       </p:sp>
+      <p:pic>
+        <p:nvPicPr>
+          <p:cNvPr id="11" name="Picture 2">
+            <a:extLst>
+              <a:ext uri="{FF2B5EF4-FFF2-40B4-BE49-F238E27FC236}">
+                <a16:creationId xmlns:a16="http://schemas.microsoft.com/office/drawing/2014/main" id="{ADACCBBA-8B45-E175-6D15-8E88285B5990}"/>
+              </a:ext>
+            </a:extLst>
+          </p:cNvPr>
+          <p:cNvPicPr>
+            <a:picLocks noChangeAspect="1" noChangeArrowheads="1"/>
+          </p:cNvPicPr>
+          <p:nvPr userDrawn="1"/>
+        </p:nvPicPr>
+        <p:blipFill>
+          <a:blip r:embed="rId15">
+            <a:extLst>
+              <a:ext uri="{28A0092B-C50C-407E-A947-70E740481C1C}">
+                <a14:useLocalDpi xmlns:a14="http://schemas.microsoft.com/office/drawing/2010/main" val="0"/>
+              </a:ext>
+            </a:extLst>
+          </a:blip>
+          <a:srcRect/>
+          <a:stretch>
+            <a:fillRect/>
+          </a:stretch>
+        </p:blipFill>
+        <p:spPr bwMode="auto">
+          <a:xfrm>
+            <a:off x="8444688" y="6408248"/>
+            <a:ext cx="895254" cy="313227"/>
+          </a:xfrm>
+          <a:prstGeom prst="rect">
+            <a:avLst/>
+          </a:prstGeom>
+          <a:noFill/>
+          <a:extLst>
+            <a:ext uri="{909E8E84-426E-40DD-AFC4-6F175D3DCCD1}">
+              <a14:hiddenFill xmlns:a14="http://schemas.microsoft.com/office/drawing/2010/main">
+                <a:solidFill>
+                  <a:srgbClr val="FFFFFF"/>
+                </a:solidFill>
+              </a14:hiddenFill>
+            </a:ext>
+          </a:extLst>
+        </p:spPr>
+      </p:pic>
     </p:spTree>
     <p:extLst>
       <p:ext uri="{BB962C8B-B14F-4D97-AF65-F5344CB8AC3E}">
@@ -15945,7 +16037,7 @@
         </p:spPr>
         <p:txBody>
           <a:bodyPr vert="horz" lIns="91440" tIns="45720" rIns="91440" bIns="45720" rtlCol="0">
-            <a:normAutofit fontScale="92500"/>
+            <a:normAutofit/>
           </a:bodyPr>
           <a:lstStyle>
             <a:lvl1pPr marL="228600" indent="-228600" algn="l" defTabSz="914400" rtl="0" eaLnBrk="1" latinLnBrk="0" hangingPunct="1">
@@ -32564,7 +32656,7 @@
         </p:spPr>
         <p:txBody>
           <a:bodyPr vert="horz" lIns="91440" tIns="45720" rIns="91440" bIns="45720" rtlCol="0">
-            <a:normAutofit fontScale="92500"/>
+            <a:normAutofit/>
           </a:bodyPr>
           <a:lstStyle>
             <a:lvl1pPr marL="228600" indent="-228600" algn="l" defTabSz="914400" rtl="0" eaLnBrk="1" latinLnBrk="0" hangingPunct="1">
